--- a/Lectures/Game AI 2.pptx
+++ b/Lectures/Game AI 2.pptx
@@ -236,7 +236,7 @@
           <a:p>
             <a:fld id="{8B5F6ADF-76BE-4E67-B3A7-E4E519D3E160}" type="datetimeFigureOut">
               <a:rPr lang="en-IE" smtClean="0"/>
-              <a:t>12/02/2014</a:t>
+              <a:t>24/03/2014</a:t>
             </a:fld>
             <a:endParaRPr lang="en-IE"/>
           </a:p>
@@ -685,7 +685,7 @@
           <a:p>
             <a:fld id="{6FA70D29-463A-43D6-BBEF-693D30580A1C}" type="datetimeFigureOut">
               <a:rPr lang="en-IE" smtClean="0"/>
-              <a:t>12/02/2014</a:t>
+              <a:t>24/03/2014</a:t>
             </a:fld>
             <a:endParaRPr lang="en-IE"/>
           </a:p>
@@ -855,7 +855,7 @@
           <a:p>
             <a:fld id="{6FA70D29-463A-43D6-BBEF-693D30580A1C}" type="datetimeFigureOut">
               <a:rPr lang="en-IE" smtClean="0"/>
-              <a:t>12/02/2014</a:t>
+              <a:t>24/03/2014</a:t>
             </a:fld>
             <a:endParaRPr lang="en-IE"/>
           </a:p>
@@ -1035,7 +1035,7 @@
           <a:p>
             <a:fld id="{6FA70D29-463A-43D6-BBEF-693D30580A1C}" type="datetimeFigureOut">
               <a:rPr lang="en-IE" smtClean="0"/>
-              <a:t>12/02/2014</a:t>
+              <a:t>24/03/2014</a:t>
             </a:fld>
             <a:endParaRPr lang="en-IE"/>
           </a:p>
@@ -1205,7 +1205,7 @@
           <a:p>
             <a:fld id="{6FA70D29-463A-43D6-BBEF-693D30580A1C}" type="datetimeFigureOut">
               <a:rPr lang="en-IE" smtClean="0"/>
-              <a:t>12/02/2014</a:t>
+              <a:t>24/03/2014</a:t>
             </a:fld>
             <a:endParaRPr lang="en-IE"/>
           </a:p>
@@ -1451,7 +1451,7 @@
           <a:p>
             <a:fld id="{6FA70D29-463A-43D6-BBEF-693D30580A1C}" type="datetimeFigureOut">
               <a:rPr lang="en-IE" smtClean="0"/>
-              <a:t>12/02/2014</a:t>
+              <a:t>24/03/2014</a:t>
             </a:fld>
             <a:endParaRPr lang="en-IE"/>
           </a:p>
@@ -1739,7 +1739,7 @@
           <a:p>
             <a:fld id="{6FA70D29-463A-43D6-BBEF-693D30580A1C}" type="datetimeFigureOut">
               <a:rPr lang="en-IE" smtClean="0"/>
-              <a:t>12/02/2014</a:t>
+              <a:t>24/03/2014</a:t>
             </a:fld>
             <a:endParaRPr lang="en-IE"/>
           </a:p>
@@ -2161,7 +2161,7 @@
           <a:p>
             <a:fld id="{6FA70D29-463A-43D6-BBEF-693D30580A1C}" type="datetimeFigureOut">
               <a:rPr lang="en-IE" smtClean="0"/>
-              <a:t>12/02/2014</a:t>
+              <a:t>24/03/2014</a:t>
             </a:fld>
             <a:endParaRPr lang="en-IE"/>
           </a:p>
@@ -2279,7 +2279,7 @@
           <a:p>
             <a:fld id="{6FA70D29-463A-43D6-BBEF-693D30580A1C}" type="datetimeFigureOut">
               <a:rPr lang="en-IE" smtClean="0"/>
-              <a:t>12/02/2014</a:t>
+              <a:t>24/03/2014</a:t>
             </a:fld>
             <a:endParaRPr lang="en-IE"/>
           </a:p>
@@ -2374,7 +2374,7 @@
           <a:p>
             <a:fld id="{6FA70D29-463A-43D6-BBEF-693D30580A1C}" type="datetimeFigureOut">
               <a:rPr lang="en-IE" smtClean="0"/>
-              <a:t>12/02/2014</a:t>
+              <a:t>24/03/2014</a:t>
             </a:fld>
             <a:endParaRPr lang="en-IE"/>
           </a:p>
@@ -2651,7 +2651,7 @@
           <a:p>
             <a:fld id="{6FA70D29-463A-43D6-BBEF-693D30580A1C}" type="datetimeFigureOut">
               <a:rPr lang="en-IE" smtClean="0"/>
-              <a:t>12/02/2014</a:t>
+              <a:t>24/03/2014</a:t>
             </a:fld>
             <a:endParaRPr lang="en-IE"/>
           </a:p>
@@ -2904,7 +2904,7 @@
           <a:p>
             <a:fld id="{6FA70D29-463A-43D6-BBEF-693D30580A1C}" type="datetimeFigureOut">
               <a:rPr lang="en-IE" smtClean="0"/>
-              <a:t>12/02/2014</a:t>
+              <a:t>24/03/2014</a:t>
             </a:fld>
             <a:endParaRPr lang="en-IE"/>
           </a:p>
@@ -3117,7 +3117,7 @@
           <a:p>
             <a:fld id="{6FA70D29-463A-43D6-BBEF-693D30580A1C}" type="datetimeFigureOut">
               <a:rPr lang="en-IE" smtClean="0"/>
-              <a:t>12/02/2014</a:t>
+              <a:t>24/03/2014</a:t>
             </a:fld>
             <a:endParaRPr lang="en-IE"/>
           </a:p>
@@ -3586,7 +3586,9 @@
         </p:nvSpPr>
         <p:spPr/>
         <p:txBody>
-          <a:bodyPr/>
+          <a:bodyPr>
+            <a:normAutofit fontScale="90000"/>
+          </a:bodyPr>
           <a:lstStyle/>
           <a:p>
             <a:r>
@@ -3598,7 +3600,22 @@
             </a:br>
             <a:r>
               <a:rPr lang="en-IE" dirty="0" smtClean="0"/>
-              <a:t>(Game Engines 2)</a:t>
+              <a:t>(Game Engines 2</a:t>
+            </a:r>
+            <a:r>
+              <a:rPr lang="en-IE" dirty="0" smtClean="0"/>
+              <a:t>)</a:t>
+            </a:r>
+            <a:br>
+              <a:rPr lang="en-IE" dirty="0" smtClean="0"/>
+            </a:br>
+            <a:r>
+              <a:rPr lang="en-IE" dirty="0" smtClean="0"/>
+              <a:t>A Crash Course in </a:t>
+            </a:r>
+            <a:r>
+              <a:rPr lang="en-IE" smtClean="0"/>
+              <a:t>Steering Behaviours</a:t>
             </a:r>
             <a:endParaRPr lang="en-IE" dirty="0"/>
           </a:p>
